--- a/assets/logo.pptx
+++ b/assets/logo.pptx
@@ -6,6 +6,7 @@
   </p:sldMasterIdLst>
   <p:sldIdLst>
     <p:sldId id="256" r:id="rId2"/>
+    <p:sldId id="257" r:id="rId3"/>
   </p:sldIdLst>
   <p:sldSz cx="12192000" cy="6858000"/>
   <p:notesSz cx="6858000" cy="9144000"/>
@@ -129,7 +130,7 @@
           <p:cNvPr id="2" name="제목 1">
             <a:extLst>
               <a:ext uri="{FF2B5EF4-FFF2-40B4-BE49-F238E27FC236}">
-                <a16:creationId xmlns:a16="http://schemas.microsoft.com/office/drawing/2014/main" id="{DD36E71B-2623-40BC-BF82-2FE905921555}"/>
+                <a16:creationId xmlns:a16="http://schemas.microsoft.com/office/drawing/2014/main" id="{534753F1-3928-4692-AA73-2602DC6B5E17}"/>
               </a:ext>
             </a:extLst>
           </p:cNvPr>
@@ -166,7 +167,7 @@
           <p:cNvPr id="3" name="부제목 2">
             <a:extLst>
               <a:ext uri="{FF2B5EF4-FFF2-40B4-BE49-F238E27FC236}">
-                <a16:creationId xmlns:a16="http://schemas.microsoft.com/office/drawing/2014/main" id="{46FFE118-273C-43AC-96C4-E53557F76F53}"/>
+                <a16:creationId xmlns:a16="http://schemas.microsoft.com/office/drawing/2014/main" id="{C176DA8B-5ACC-4D3E-B4A8-7E765A5A803C}"/>
               </a:ext>
             </a:extLst>
           </p:cNvPr>
@@ -236,7 +237,7 @@
           <p:cNvPr id="4" name="날짜 개체 틀 3">
             <a:extLst>
               <a:ext uri="{FF2B5EF4-FFF2-40B4-BE49-F238E27FC236}">
-                <a16:creationId xmlns:a16="http://schemas.microsoft.com/office/drawing/2014/main" id="{4527AD18-675D-402E-BE23-7AACF52B9EC6}"/>
+                <a16:creationId xmlns:a16="http://schemas.microsoft.com/office/drawing/2014/main" id="{19DFF170-434A-489A-9D63-2783606CB0E3}"/>
               </a:ext>
             </a:extLst>
           </p:cNvPr>
@@ -252,9 +253,9 @@
           <a:bodyPr/>
           <a:lstStyle/>
           <a:p>
-            <a:fld id="{68C8826B-303A-4B20-90A0-747DEDFD16AF}" type="datetimeFigureOut">
+            <a:fld id="{6F1ECA94-C280-4CCB-842F-03728347C5C6}" type="datetimeFigureOut">
               <a:rPr lang="ko-KR" altLang="en-US" smtClean="0"/>
-              <a:t>2018-08-17</a:t>
+              <a:t>2018-11-25</a:t>
             </a:fld>
             <a:endParaRPr lang="ko-KR" altLang="en-US"/>
           </a:p>
@@ -265,7 +266,7 @@
           <p:cNvPr id="5" name="바닥글 개체 틀 4">
             <a:extLst>
               <a:ext uri="{FF2B5EF4-FFF2-40B4-BE49-F238E27FC236}">
-                <a16:creationId xmlns:a16="http://schemas.microsoft.com/office/drawing/2014/main" id="{3DA97772-6B22-41DF-8145-7560758E97BF}"/>
+                <a16:creationId xmlns:a16="http://schemas.microsoft.com/office/drawing/2014/main" id="{FC28A4EA-D964-4EC0-B465-1442831F61EC}"/>
               </a:ext>
             </a:extLst>
           </p:cNvPr>
@@ -290,7 +291,7 @@
           <p:cNvPr id="6" name="슬라이드 번호 개체 틀 5">
             <a:extLst>
               <a:ext uri="{FF2B5EF4-FFF2-40B4-BE49-F238E27FC236}">
-                <a16:creationId xmlns:a16="http://schemas.microsoft.com/office/drawing/2014/main" id="{78DFE850-1CC4-40D6-B40E-B8BFBA67B86E}"/>
+                <a16:creationId xmlns:a16="http://schemas.microsoft.com/office/drawing/2014/main" id="{8FFCC344-A7C3-4E42-88AA-12003FD66752}"/>
               </a:ext>
             </a:extLst>
           </p:cNvPr>
@@ -306,7 +307,7 @@
           <a:bodyPr/>
           <a:lstStyle/>
           <a:p>
-            <a:fld id="{31FB7381-A2AA-4D14-853C-7EC57197987D}" type="slidenum">
+            <a:fld id="{39B08D2F-9136-4FBB-8B91-7C69354F3588}" type="slidenum">
               <a:rPr lang="ko-KR" altLang="en-US" smtClean="0"/>
               <a:t>‹#›</a:t>
             </a:fld>
@@ -317,7 +318,7 @@
     </p:spTree>
     <p:extLst>
       <p:ext uri="{BB962C8B-B14F-4D97-AF65-F5344CB8AC3E}">
-        <p14:creationId xmlns:p14="http://schemas.microsoft.com/office/powerpoint/2010/main" val="1155332310"/>
+        <p14:creationId xmlns:p14="http://schemas.microsoft.com/office/powerpoint/2010/main" val="3499467665"/>
       </p:ext>
     </p:extLst>
   </p:cSld>
@@ -349,7 +350,7 @@
           <p:cNvPr id="2" name="제목 1">
             <a:extLst>
               <a:ext uri="{FF2B5EF4-FFF2-40B4-BE49-F238E27FC236}">
-                <a16:creationId xmlns:a16="http://schemas.microsoft.com/office/drawing/2014/main" id="{9D729241-D839-47F3-9B97-D2482E441764}"/>
+                <a16:creationId xmlns:a16="http://schemas.microsoft.com/office/drawing/2014/main" id="{66CAD99A-83C3-40BD-AD88-E17FB203239E}"/>
               </a:ext>
             </a:extLst>
           </p:cNvPr>
@@ -377,7 +378,7 @@
           <p:cNvPr id="3" name="세로 텍스트 개체 틀 2">
             <a:extLst>
               <a:ext uri="{FF2B5EF4-FFF2-40B4-BE49-F238E27FC236}">
-                <a16:creationId xmlns:a16="http://schemas.microsoft.com/office/drawing/2014/main" id="{F2897991-8199-4BA7-8B96-A02AC51E865A}"/>
+                <a16:creationId xmlns:a16="http://schemas.microsoft.com/office/drawing/2014/main" id="{7CDD99AB-1AAB-472C-A4B2-CA269F2E8E47}"/>
               </a:ext>
             </a:extLst>
           </p:cNvPr>
@@ -434,7 +435,7 @@
           <p:cNvPr id="4" name="날짜 개체 틀 3">
             <a:extLst>
               <a:ext uri="{FF2B5EF4-FFF2-40B4-BE49-F238E27FC236}">
-                <a16:creationId xmlns:a16="http://schemas.microsoft.com/office/drawing/2014/main" id="{C92B4FF2-9886-401B-8E10-59580D8ED229}"/>
+                <a16:creationId xmlns:a16="http://schemas.microsoft.com/office/drawing/2014/main" id="{416281C2-593A-45AA-9758-0BBAE94EE4F1}"/>
               </a:ext>
             </a:extLst>
           </p:cNvPr>
@@ -450,9 +451,9 @@
           <a:bodyPr/>
           <a:lstStyle/>
           <a:p>
-            <a:fld id="{68C8826B-303A-4B20-90A0-747DEDFD16AF}" type="datetimeFigureOut">
+            <a:fld id="{6F1ECA94-C280-4CCB-842F-03728347C5C6}" type="datetimeFigureOut">
               <a:rPr lang="ko-KR" altLang="en-US" smtClean="0"/>
-              <a:t>2018-08-17</a:t>
+              <a:t>2018-11-25</a:t>
             </a:fld>
             <a:endParaRPr lang="ko-KR" altLang="en-US"/>
           </a:p>
@@ -463,7 +464,7 @@
           <p:cNvPr id="5" name="바닥글 개체 틀 4">
             <a:extLst>
               <a:ext uri="{FF2B5EF4-FFF2-40B4-BE49-F238E27FC236}">
-                <a16:creationId xmlns:a16="http://schemas.microsoft.com/office/drawing/2014/main" id="{D8E36307-010B-4C4C-BBE0-FE1B1774BD80}"/>
+                <a16:creationId xmlns:a16="http://schemas.microsoft.com/office/drawing/2014/main" id="{A9AE77C1-D666-420B-98A7-30A135471E6B}"/>
               </a:ext>
             </a:extLst>
           </p:cNvPr>
@@ -488,7 +489,7 @@
           <p:cNvPr id="6" name="슬라이드 번호 개체 틀 5">
             <a:extLst>
               <a:ext uri="{FF2B5EF4-FFF2-40B4-BE49-F238E27FC236}">
-                <a16:creationId xmlns:a16="http://schemas.microsoft.com/office/drawing/2014/main" id="{F3B158EF-BACC-4B2A-8780-223B1D810859}"/>
+                <a16:creationId xmlns:a16="http://schemas.microsoft.com/office/drawing/2014/main" id="{7C6DEF0B-3DBB-4162-BEA0-FB0BC039645D}"/>
               </a:ext>
             </a:extLst>
           </p:cNvPr>
@@ -504,7 +505,7 @@
           <a:bodyPr/>
           <a:lstStyle/>
           <a:p>
-            <a:fld id="{31FB7381-A2AA-4D14-853C-7EC57197987D}" type="slidenum">
+            <a:fld id="{39B08D2F-9136-4FBB-8B91-7C69354F3588}" type="slidenum">
               <a:rPr lang="ko-KR" altLang="en-US" smtClean="0"/>
               <a:t>‹#›</a:t>
             </a:fld>
@@ -515,7 +516,7 @@
     </p:spTree>
     <p:extLst>
       <p:ext uri="{BB962C8B-B14F-4D97-AF65-F5344CB8AC3E}">
-        <p14:creationId xmlns:p14="http://schemas.microsoft.com/office/powerpoint/2010/main" val="2982708496"/>
+        <p14:creationId xmlns:p14="http://schemas.microsoft.com/office/powerpoint/2010/main" val="3942368283"/>
       </p:ext>
     </p:extLst>
   </p:cSld>
@@ -547,7 +548,7 @@
           <p:cNvPr id="2" name="세로 제목 1">
             <a:extLst>
               <a:ext uri="{FF2B5EF4-FFF2-40B4-BE49-F238E27FC236}">
-                <a16:creationId xmlns:a16="http://schemas.microsoft.com/office/drawing/2014/main" id="{F0DCDFB2-EC49-4D78-A2B4-D15BDAEFC790}"/>
+                <a16:creationId xmlns:a16="http://schemas.microsoft.com/office/drawing/2014/main" id="{C23659CA-C9CF-4E7F-912E-DD972F568210}"/>
               </a:ext>
             </a:extLst>
           </p:cNvPr>
@@ -580,7 +581,7 @@
           <p:cNvPr id="3" name="세로 텍스트 개체 틀 2">
             <a:extLst>
               <a:ext uri="{FF2B5EF4-FFF2-40B4-BE49-F238E27FC236}">
-                <a16:creationId xmlns:a16="http://schemas.microsoft.com/office/drawing/2014/main" id="{20D6CB0A-DE2B-44FD-8908-244E6A11A81E}"/>
+                <a16:creationId xmlns:a16="http://schemas.microsoft.com/office/drawing/2014/main" id="{48C99F4A-25E6-474D-B849-131AB5B4ACB8}"/>
               </a:ext>
             </a:extLst>
           </p:cNvPr>
@@ -642,7 +643,7 @@
           <p:cNvPr id="4" name="날짜 개체 틀 3">
             <a:extLst>
               <a:ext uri="{FF2B5EF4-FFF2-40B4-BE49-F238E27FC236}">
-                <a16:creationId xmlns:a16="http://schemas.microsoft.com/office/drawing/2014/main" id="{FFEA3716-70B5-4997-980D-0529EDCB66F4}"/>
+                <a16:creationId xmlns:a16="http://schemas.microsoft.com/office/drawing/2014/main" id="{399D885A-8569-4CF0-8F0F-7D3ADA32DFDF}"/>
               </a:ext>
             </a:extLst>
           </p:cNvPr>
@@ -658,9 +659,9 @@
           <a:bodyPr/>
           <a:lstStyle/>
           <a:p>
-            <a:fld id="{68C8826B-303A-4B20-90A0-747DEDFD16AF}" type="datetimeFigureOut">
+            <a:fld id="{6F1ECA94-C280-4CCB-842F-03728347C5C6}" type="datetimeFigureOut">
               <a:rPr lang="ko-KR" altLang="en-US" smtClean="0"/>
-              <a:t>2018-08-17</a:t>
+              <a:t>2018-11-25</a:t>
             </a:fld>
             <a:endParaRPr lang="ko-KR" altLang="en-US"/>
           </a:p>
@@ -671,7 +672,7 @@
           <p:cNvPr id="5" name="바닥글 개체 틀 4">
             <a:extLst>
               <a:ext uri="{FF2B5EF4-FFF2-40B4-BE49-F238E27FC236}">
-                <a16:creationId xmlns:a16="http://schemas.microsoft.com/office/drawing/2014/main" id="{A3006BE6-124A-4DBE-974F-CD0BED7AC829}"/>
+                <a16:creationId xmlns:a16="http://schemas.microsoft.com/office/drawing/2014/main" id="{ED49F0E7-928B-4417-8DDE-524C0C9EDDC4}"/>
               </a:ext>
             </a:extLst>
           </p:cNvPr>
@@ -696,7 +697,7 @@
           <p:cNvPr id="6" name="슬라이드 번호 개체 틀 5">
             <a:extLst>
               <a:ext uri="{FF2B5EF4-FFF2-40B4-BE49-F238E27FC236}">
-                <a16:creationId xmlns:a16="http://schemas.microsoft.com/office/drawing/2014/main" id="{826F1609-F377-4622-85F2-E1893950B2B1}"/>
+                <a16:creationId xmlns:a16="http://schemas.microsoft.com/office/drawing/2014/main" id="{760522B7-967A-4DD2-935A-612C80086728}"/>
               </a:ext>
             </a:extLst>
           </p:cNvPr>
@@ -712,7 +713,7 @@
           <a:bodyPr/>
           <a:lstStyle/>
           <a:p>
-            <a:fld id="{31FB7381-A2AA-4D14-853C-7EC57197987D}" type="slidenum">
+            <a:fld id="{39B08D2F-9136-4FBB-8B91-7C69354F3588}" type="slidenum">
               <a:rPr lang="ko-KR" altLang="en-US" smtClean="0"/>
               <a:t>‹#›</a:t>
             </a:fld>
@@ -723,7 +724,7 @@
     </p:spTree>
     <p:extLst>
       <p:ext uri="{BB962C8B-B14F-4D97-AF65-F5344CB8AC3E}">
-        <p14:creationId xmlns:p14="http://schemas.microsoft.com/office/powerpoint/2010/main" val="2382974910"/>
+        <p14:creationId xmlns:p14="http://schemas.microsoft.com/office/powerpoint/2010/main" val="2099153920"/>
       </p:ext>
     </p:extLst>
   </p:cSld>
@@ -755,7 +756,7 @@
           <p:cNvPr id="2" name="제목 1">
             <a:extLst>
               <a:ext uri="{FF2B5EF4-FFF2-40B4-BE49-F238E27FC236}">
-                <a16:creationId xmlns:a16="http://schemas.microsoft.com/office/drawing/2014/main" id="{5E3D4D1C-AC40-4AC7-A87C-DF36A6D99F73}"/>
+                <a16:creationId xmlns:a16="http://schemas.microsoft.com/office/drawing/2014/main" id="{E4D57E48-FABC-414A-917D-092E83C3DBA9}"/>
               </a:ext>
             </a:extLst>
           </p:cNvPr>
@@ -783,7 +784,7 @@
           <p:cNvPr id="3" name="내용 개체 틀 2">
             <a:extLst>
               <a:ext uri="{FF2B5EF4-FFF2-40B4-BE49-F238E27FC236}">
-                <a16:creationId xmlns:a16="http://schemas.microsoft.com/office/drawing/2014/main" id="{70586F3D-8D8B-483E-B208-DAA6DC4AFEF7}"/>
+                <a16:creationId xmlns:a16="http://schemas.microsoft.com/office/drawing/2014/main" id="{AFBCE917-DF98-476C-84BB-788A8F2125C7}"/>
               </a:ext>
             </a:extLst>
           </p:cNvPr>
@@ -840,7 +841,7 @@
           <p:cNvPr id="4" name="날짜 개체 틀 3">
             <a:extLst>
               <a:ext uri="{FF2B5EF4-FFF2-40B4-BE49-F238E27FC236}">
-                <a16:creationId xmlns:a16="http://schemas.microsoft.com/office/drawing/2014/main" id="{CC5D13F8-1869-489C-83A5-F64F60B084AA}"/>
+                <a16:creationId xmlns:a16="http://schemas.microsoft.com/office/drawing/2014/main" id="{1CEC0F17-7CB2-4CAE-A17A-A3A207A6793E}"/>
               </a:ext>
             </a:extLst>
           </p:cNvPr>
@@ -856,9 +857,9 @@
           <a:bodyPr/>
           <a:lstStyle/>
           <a:p>
-            <a:fld id="{68C8826B-303A-4B20-90A0-747DEDFD16AF}" type="datetimeFigureOut">
+            <a:fld id="{6F1ECA94-C280-4CCB-842F-03728347C5C6}" type="datetimeFigureOut">
               <a:rPr lang="ko-KR" altLang="en-US" smtClean="0"/>
-              <a:t>2018-08-17</a:t>
+              <a:t>2018-11-25</a:t>
             </a:fld>
             <a:endParaRPr lang="ko-KR" altLang="en-US"/>
           </a:p>
@@ -869,7 +870,7 @@
           <p:cNvPr id="5" name="바닥글 개체 틀 4">
             <a:extLst>
               <a:ext uri="{FF2B5EF4-FFF2-40B4-BE49-F238E27FC236}">
-                <a16:creationId xmlns:a16="http://schemas.microsoft.com/office/drawing/2014/main" id="{A5EC4188-8305-4650-9288-0082BE8377ED}"/>
+                <a16:creationId xmlns:a16="http://schemas.microsoft.com/office/drawing/2014/main" id="{7BA824B0-D93C-43A0-820E-3233379F3DCB}"/>
               </a:ext>
             </a:extLst>
           </p:cNvPr>
@@ -894,7 +895,7 @@
           <p:cNvPr id="6" name="슬라이드 번호 개체 틀 5">
             <a:extLst>
               <a:ext uri="{FF2B5EF4-FFF2-40B4-BE49-F238E27FC236}">
-                <a16:creationId xmlns:a16="http://schemas.microsoft.com/office/drawing/2014/main" id="{CBCA42CC-B63D-49A3-930D-3431E98F1153}"/>
+                <a16:creationId xmlns:a16="http://schemas.microsoft.com/office/drawing/2014/main" id="{AF3DEF33-F7F0-4981-ADB7-1DE6C4FD5537}"/>
               </a:ext>
             </a:extLst>
           </p:cNvPr>
@@ -910,7 +911,7 @@
           <a:bodyPr/>
           <a:lstStyle/>
           <a:p>
-            <a:fld id="{31FB7381-A2AA-4D14-853C-7EC57197987D}" type="slidenum">
+            <a:fld id="{39B08D2F-9136-4FBB-8B91-7C69354F3588}" type="slidenum">
               <a:rPr lang="ko-KR" altLang="en-US" smtClean="0"/>
               <a:t>‹#›</a:t>
             </a:fld>
@@ -921,7 +922,7 @@
     </p:spTree>
     <p:extLst>
       <p:ext uri="{BB962C8B-B14F-4D97-AF65-F5344CB8AC3E}">
-        <p14:creationId xmlns:p14="http://schemas.microsoft.com/office/powerpoint/2010/main" val="484421514"/>
+        <p14:creationId xmlns:p14="http://schemas.microsoft.com/office/powerpoint/2010/main" val="4133668393"/>
       </p:ext>
     </p:extLst>
   </p:cSld>
@@ -953,7 +954,7 @@
           <p:cNvPr id="2" name="제목 1">
             <a:extLst>
               <a:ext uri="{FF2B5EF4-FFF2-40B4-BE49-F238E27FC236}">
-                <a16:creationId xmlns:a16="http://schemas.microsoft.com/office/drawing/2014/main" id="{5CD27901-A86F-4494-B907-B945F410EDF5}"/>
+                <a16:creationId xmlns:a16="http://schemas.microsoft.com/office/drawing/2014/main" id="{8DA06F94-9106-4D05-A602-A0F75A72FB5A}"/>
               </a:ext>
             </a:extLst>
           </p:cNvPr>
@@ -990,7 +991,7 @@
           <p:cNvPr id="3" name="텍스트 개체 틀 2">
             <a:extLst>
               <a:ext uri="{FF2B5EF4-FFF2-40B4-BE49-F238E27FC236}">
-                <a16:creationId xmlns:a16="http://schemas.microsoft.com/office/drawing/2014/main" id="{F076C815-7E01-4437-96D9-F13B63FD0CE3}"/>
+                <a16:creationId xmlns:a16="http://schemas.microsoft.com/office/drawing/2014/main" id="{78AA609A-A7AF-4291-AD6B-644526D31981}"/>
               </a:ext>
             </a:extLst>
           </p:cNvPr>
@@ -1115,7 +1116,7 @@
           <p:cNvPr id="4" name="날짜 개체 틀 3">
             <a:extLst>
               <a:ext uri="{FF2B5EF4-FFF2-40B4-BE49-F238E27FC236}">
-                <a16:creationId xmlns:a16="http://schemas.microsoft.com/office/drawing/2014/main" id="{39D9394A-3D2F-436B-A395-81F3670EC7E4}"/>
+                <a16:creationId xmlns:a16="http://schemas.microsoft.com/office/drawing/2014/main" id="{9A5999D8-BB3E-4F45-8FE8-1E14D60DA662}"/>
               </a:ext>
             </a:extLst>
           </p:cNvPr>
@@ -1131,9 +1132,9 @@
           <a:bodyPr/>
           <a:lstStyle/>
           <a:p>
-            <a:fld id="{68C8826B-303A-4B20-90A0-747DEDFD16AF}" type="datetimeFigureOut">
+            <a:fld id="{6F1ECA94-C280-4CCB-842F-03728347C5C6}" type="datetimeFigureOut">
               <a:rPr lang="ko-KR" altLang="en-US" smtClean="0"/>
-              <a:t>2018-08-17</a:t>
+              <a:t>2018-11-25</a:t>
             </a:fld>
             <a:endParaRPr lang="ko-KR" altLang="en-US"/>
           </a:p>
@@ -1144,7 +1145,7 @@
           <p:cNvPr id="5" name="바닥글 개체 틀 4">
             <a:extLst>
               <a:ext uri="{FF2B5EF4-FFF2-40B4-BE49-F238E27FC236}">
-                <a16:creationId xmlns:a16="http://schemas.microsoft.com/office/drawing/2014/main" id="{FBCDAFE9-798B-4585-8C06-7A6B734F715D}"/>
+                <a16:creationId xmlns:a16="http://schemas.microsoft.com/office/drawing/2014/main" id="{5E7B6D0A-E985-4517-A4E9-8C6EABFC3BC7}"/>
               </a:ext>
             </a:extLst>
           </p:cNvPr>
@@ -1169,7 +1170,7 @@
           <p:cNvPr id="6" name="슬라이드 번호 개체 틀 5">
             <a:extLst>
               <a:ext uri="{FF2B5EF4-FFF2-40B4-BE49-F238E27FC236}">
-                <a16:creationId xmlns:a16="http://schemas.microsoft.com/office/drawing/2014/main" id="{610AA574-7542-4F29-8D97-CAC4D35538F7}"/>
+                <a16:creationId xmlns:a16="http://schemas.microsoft.com/office/drawing/2014/main" id="{D910921B-3BBA-4895-8BCD-988AA94D61B7}"/>
               </a:ext>
             </a:extLst>
           </p:cNvPr>
@@ -1185,7 +1186,7 @@
           <a:bodyPr/>
           <a:lstStyle/>
           <a:p>
-            <a:fld id="{31FB7381-A2AA-4D14-853C-7EC57197987D}" type="slidenum">
+            <a:fld id="{39B08D2F-9136-4FBB-8B91-7C69354F3588}" type="slidenum">
               <a:rPr lang="ko-KR" altLang="en-US" smtClean="0"/>
               <a:t>‹#›</a:t>
             </a:fld>
@@ -1196,7 +1197,7 @@
     </p:spTree>
     <p:extLst>
       <p:ext uri="{BB962C8B-B14F-4D97-AF65-F5344CB8AC3E}">
-        <p14:creationId xmlns:p14="http://schemas.microsoft.com/office/powerpoint/2010/main" val="765424612"/>
+        <p14:creationId xmlns:p14="http://schemas.microsoft.com/office/powerpoint/2010/main" val="499676244"/>
       </p:ext>
     </p:extLst>
   </p:cSld>
@@ -1228,7 +1229,7 @@
           <p:cNvPr id="2" name="제목 1">
             <a:extLst>
               <a:ext uri="{FF2B5EF4-FFF2-40B4-BE49-F238E27FC236}">
-                <a16:creationId xmlns:a16="http://schemas.microsoft.com/office/drawing/2014/main" id="{933D3C2D-3B8B-45D0-9EDC-2555130E2C0F}"/>
+                <a16:creationId xmlns:a16="http://schemas.microsoft.com/office/drawing/2014/main" id="{7E199572-1811-4F35-8C30-1DF52AA4D1F6}"/>
               </a:ext>
             </a:extLst>
           </p:cNvPr>
@@ -1256,7 +1257,7 @@
           <p:cNvPr id="3" name="내용 개체 틀 2">
             <a:extLst>
               <a:ext uri="{FF2B5EF4-FFF2-40B4-BE49-F238E27FC236}">
-                <a16:creationId xmlns:a16="http://schemas.microsoft.com/office/drawing/2014/main" id="{CC688315-ECAE-48B5-8C77-6072C4563C3F}"/>
+                <a16:creationId xmlns:a16="http://schemas.microsoft.com/office/drawing/2014/main" id="{45364425-A5DC-4130-820D-83F96B550647}"/>
               </a:ext>
             </a:extLst>
           </p:cNvPr>
@@ -1318,7 +1319,7 @@
           <p:cNvPr id="4" name="내용 개체 틀 3">
             <a:extLst>
               <a:ext uri="{FF2B5EF4-FFF2-40B4-BE49-F238E27FC236}">
-                <a16:creationId xmlns:a16="http://schemas.microsoft.com/office/drawing/2014/main" id="{80F59CBE-408A-4BBA-A481-1068ED1EBF31}"/>
+                <a16:creationId xmlns:a16="http://schemas.microsoft.com/office/drawing/2014/main" id="{DDFC5EE7-7818-4C4C-A75B-EAAB388D2B01}"/>
               </a:ext>
             </a:extLst>
           </p:cNvPr>
@@ -1380,7 +1381,7 @@
           <p:cNvPr id="5" name="날짜 개체 틀 4">
             <a:extLst>
               <a:ext uri="{FF2B5EF4-FFF2-40B4-BE49-F238E27FC236}">
-                <a16:creationId xmlns:a16="http://schemas.microsoft.com/office/drawing/2014/main" id="{361E15F4-21FC-4065-9C16-E8EE39322997}"/>
+                <a16:creationId xmlns:a16="http://schemas.microsoft.com/office/drawing/2014/main" id="{2A3298FE-8F8A-4F9B-BC01-613EB3442D18}"/>
               </a:ext>
             </a:extLst>
           </p:cNvPr>
@@ -1396,9 +1397,9 @@
           <a:bodyPr/>
           <a:lstStyle/>
           <a:p>
-            <a:fld id="{68C8826B-303A-4B20-90A0-747DEDFD16AF}" type="datetimeFigureOut">
+            <a:fld id="{6F1ECA94-C280-4CCB-842F-03728347C5C6}" type="datetimeFigureOut">
               <a:rPr lang="ko-KR" altLang="en-US" smtClean="0"/>
-              <a:t>2018-08-17</a:t>
+              <a:t>2018-11-25</a:t>
             </a:fld>
             <a:endParaRPr lang="ko-KR" altLang="en-US"/>
           </a:p>
@@ -1409,7 +1410,7 @@
           <p:cNvPr id="6" name="바닥글 개체 틀 5">
             <a:extLst>
               <a:ext uri="{FF2B5EF4-FFF2-40B4-BE49-F238E27FC236}">
-                <a16:creationId xmlns:a16="http://schemas.microsoft.com/office/drawing/2014/main" id="{4A47FF0E-9407-44D8-BC64-9A8AFEDB1D03}"/>
+                <a16:creationId xmlns:a16="http://schemas.microsoft.com/office/drawing/2014/main" id="{3C171572-204C-4482-9501-62FDCFB8425E}"/>
               </a:ext>
             </a:extLst>
           </p:cNvPr>
@@ -1434,7 +1435,7 @@
           <p:cNvPr id="7" name="슬라이드 번호 개체 틀 6">
             <a:extLst>
               <a:ext uri="{FF2B5EF4-FFF2-40B4-BE49-F238E27FC236}">
-                <a16:creationId xmlns:a16="http://schemas.microsoft.com/office/drawing/2014/main" id="{8B2601F9-D0F5-4D98-A1D5-5A9EBEE98A98}"/>
+                <a16:creationId xmlns:a16="http://schemas.microsoft.com/office/drawing/2014/main" id="{0668A9B4-20D6-4052-9473-83032FC2C7A0}"/>
               </a:ext>
             </a:extLst>
           </p:cNvPr>
@@ -1450,7 +1451,7 @@
           <a:bodyPr/>
           <a:lstStyle/>
           <a:p>
-            <a:fld id="{31FB7381-A2AA-4D14-853C-7EC57197987D}" type="slidenum">
+            <a:fld id="{39B08D2F-9136-4FBB-8B91-7C69354F3588}" type="slidenum">
               <a:rPr lang="ko-KR" altLang="en-US" smtClean="0"/>
               <a:t>‹#›</a:t>
             </a:fld>
@@ -1461,7 +1462,7 @@
     </p:spTree>
     <p:extLst>
       <p:ext uri="{BB962C8B-B14F-4D97-AF65-F5344CB8AC3E}">
-        <p14:creationId xmlns:p14="http://schemas.microsoft.com/office/powerpoint/2010/main" val="1258440140"/>
+        <p14:creationId xmlns:p14="http://schemas.microsoft.com/office/powerpoint/2010/main" val="3933925910"/>
       </p:ext>
     </p:extLst>
   </p:cSld>
@@ -1493,7 +1494,7 @@
           <p:cNvPr id="2" name="제목 1">
             <a:extLst>
               <a:ext uri="{FF2B5EF4-FFF2-40B4-BE49-F238E27FC236}">
-                <a16:creationId xmlns:a16="http://schemas.microsoft.com/office/drawing/2014/main" id="{962D2BCD-0428-4EFA-9B9E-B6B30483629E}"/>
+                <a16:creationId xmlns:a16="http://schemas.microsoft.com/office/drawing/2014/main" id="{02B7DA6E-EB59-4BC5-9B2A-C5A1733DEEA6}"/>
               </a:ext>
             </a:extLst>
           </p:cNvPr>
@@ -1526,7 +1527,7 @@
           <p:cNvPr id="3" name="텍스트 개체 틀 2">
             <a:extLst>
               <a:ext uri="{FF2B5EF4-FFF2-40B4-BE49-F238E27FC236}">
-                <a16:creationId xmlns:a16="http://schemas.microsoft.com/office/drawing/2014/main" id="{CCC6264E-80AE-4FCD-B102-31135E7CFD3F}"/>
+                <a16:creationId xmlns:a16="http://schemas.microsoft.com/office/drawing/2014/main" id="{1CB99ADD-3A63-4600-B161-94CC656737AC}"/>
               </a:ext>
             </a:extLst>
           </p:cNvPr>
@@ -1597,7 +1598,7 @@
           <p:cNvPr id="4" name="내용 개체 틀 3">
             <a:extLst>
               <a:ext uri="{FF2B5EF4-FFF2-40B4-BE49-F238E27FC236}">
-                <a16:creationId xmlns:a16="http://schemas.microsoft.com/office/drawing/2014/main" id="{2B563A8E-D5CD-41A1-AB31-F4450A5DBABE}"/>
+                <a16:creationId xmlns:a16="http://schemas.microsoft.com/office/drawing/2014/main" id="{DCE39DB6-4701-456F-80F4-7AD81537A526}"/>
               </a:ext>
             </a:extLst>
           </p:cNvPr>
@@ -1659,7 +1660,7 @@
           <p:cNvPr id="5" name="텍스트 개체 틀 4">
             <a:extLst>
               <a:ext uri="{FF2B5EF4-FFF2-40B4-BE49-F238E27FC236}">
-                <a16:creationId xmlns:a16="http://schemas.microsoft.com/office/drawing/2014/main" id="{270A7DF6-7EA8-4BFE-8450-5BB5D81BC030}"/>
+                <a16:creationId xmlns:a16="http://schemas.microsoft.com/office/drawing/2014/main" id="{46AC4C9D-2468-4F2B-A73F-A93FDC17BD3C}"/>
               </a:ext>
             </a:extLst>
           </p:cNvPr>
@@ -1730,7 +1731,7 @@
           <p:cNvPr id="6" name="내용 개체 틀 5">
             <a:extLst>
               <a:ext uri="{FF2B5EF4-FFF2-40B4-BE49-F238E27FC236}">
-                <a16:creationId xmlns:a16="http://schemas.microsoft.com/office/drawing/2014/main" id="{70404161-0116-436C-9567-6824B959E4FF}"/>
+                <a16:creationId xmlns:a16="http://schemas.microsoft.com/office/drawing/2014/main" id="{E0A25FF6-2972-495C-A912-FE03C76B7F6A}"/>
               </a:ext>
             </a:extLst>
           </p:cNvPr>
@@ -1792,7 +1793,7 @@
           <p:cNvPr id="7" name="날짜 개체 틀 6">
             <a:extLst>
               <a:ext uri="{FF2B5EF4-FFF2-40B4-BE49-F238E27FC236}">
-                <a16:creationId xmlns:a16="http://schemas.microsoft.com/office/drawing/2014/main" id="{C96D0245-D474-4577-B552-A023C07AF139}"/>
+                <a16:creationId xmlns:a16="http://schemas.microsoft.com/office/drawing/2014/main" id="{F8352E54-7E8B-44F8-B78A-3C0C3CE356ED}"/>
               </a:ext>
             </a:extLst>
           </p:cNvPr>
@@ -1808,9 +1809,9 @@
           <a:bodyPr/>
           <a:lstStyle/>
           <a:p>
-            <a:fld id="{68C8826B-303A-4B20-90A0-747DEDFD16AF}" type="datetimeFigureOut">
+            <a:fld id="{6F1ECA94-C280-4CCB-842F-03728347C5C6}" type="datetimeFigureOut">
               <a:rPr lang="ko-KR" altLang="en-US" smtClean="0"/>
-              <a:t>2018-08-17</a:t>
+              <a:t>2018-11-25</a:t>
             </a:fld>
             <a:endParaRPr lang="ko-KR" altLang="en-US"/>
           </a:p>
@@ -1821,7 +1822,7 @@
           <p:cNvPr id="8" name="바닥글 개체 틀 7">
             <a:extLst>
               <a:ext uri="{FF2B5EF4-FFF2-40B4-BE49-F238E27FC236}">
-                <a16:creationId xmlns:a16="http://schemas.microsoft.com/office/drawing/2014/main" id="{43B30361-3A19-4334-8F50-D099200F86EE}"/>
+                <a16:creationId xmlns:a16="http://schemas.microsoft.com/office/drawing/2014/main" id="{EC9BC1E2-C372-467F-A9CB-674E2B07D785}"/>
               </a:ext>
             </a:extLst>
           </p:cNvPr>
@@ -1846,7 +1847,7 @@
           <p:cNvPr id="9" name="슬라이드 번호 개체 틀 8">
             <a:extLst>
               <a:ext uri="{FF2B5EF4-FFF2-40B4-BE49-F238E27FC236}">
-                <a16:creationId xmlns:a16="http://schemas.microsoft.com/office/drawing/2014/main" id="{3DFF60CF-4720-43B4-8A99-6AFA8FCA89CA}"/>
+                <a16:creationId xmlns:a16="http://schemas.microsoft.com/office/drawing/2014/main" id="{BAE4A06E-AA6D-491E-9FC3-6963BBFE4895}"/>
               </a:ext>
             </a:extLst>
           </p:cNvPr>
@@ -1862,7 +1863,7 @@
           <a:bodyPr/>
           <a:lstStyle/>
           <a:p>
-            <a:fld id="{31FB7381-A2AA-4D14-853C-7EC57197987D}" type="slidenum">
+            <a:fld id="{39B08D2F-9136-4FBB-8B91-7C69354F3588}" type="slidenum">
               <a:rPr lang="ko-KR" altLang="en-US" smtClean="0"/>
               <a:t>‹#›</a:t>
             </a:fld>
@@ -1873,7 +1874,7 @@
     </p:spTree>
     <p:extLst>
       <p:ext uri="{BB962C8B-B14F-4D97-AF65-F5344CB8AC3E}">
-        <p14:creationId xmlns:p14="http://schemas.microsoft.com/office/powerpoint/2010/main" val="535058627"/>
+        <p14:creationId xmlns:p14="http://schemas.microsoft.com/office/powerpoint/2010/main" val="2548047724"/>
       </p:ext>
     </p:extLst>
   </p:cSld>
@@ -1905,7 +1906,7 @@
           <p:cNvPr id="2" name="제목 1">
             <a:extLst>
               <a:ext uri="{FF2B5EF4-FFF2-40B4-BE49-F238E27FC236}">
-                <a16:creationId xmlns:a16="http://schemas.microsoft.com/office/drawing/2014/main" id="{430B6040-7C90-47DA-86EB-D36C09A96312}"/>
+                <a16:creationId xmlns:a16="http://schemas.microsoft.com/office/drawing/2014/main" id="{98151418-4A94-425C-BF95-945F3A7FBC03}"/>
               </a:ext>
             </a:extLst>
           </p:cNvPr>
@@ -1933,7 +1934,7 @@
           <p:cNvPr id="3" name="날짜 개체 틀 2">
             <a:extLst>
               <a:ext uri="{FF2B5EF4-FFF2-40B4-BE49-F238E27FC236}">
-                <a16:creationId xmlns:a16="http://schemas.microsoft.com/office/drawing/2014/main" id="{B4B7D499-90CB-4273-8B38-98403EB012C1}"/>
+                <a16:creationId xmlns:a16="http://schemas.microsoft.com/office/drawing/2014/main" id="{3CB8B041-47FF-440E-973A-75413DC93118}"/>
               </a:ext>
             </a:extLst>
           </p:cNvPr>
@@ -1949,9 +1950,9 @@
           <a:bodyPr/>
           <a:lstStyle/>
           <a:p>
-            <a:fld id="{68C8826B-303A-4B20-90A0-747DEDFD16AF}" type="datetimeFigureOut">
+            <a:fld id="{6F1ECA94-C280-4CCB-842F-03728347C5C6}" type="datetimeFigureOut">
               <a:rPr lang="ko-KR" altLang="en-US" smtClean="0"/>
-              <a:t>2018-08-17</a:t>
+              <a:t>2018-11-25</a:t>
             </a:fld>
             <a:endParaRPr lang="ko-KR" altLang="en-US"/>
           </a:p>
@@ -1962,7 +1963,7 @@
           <p:cNvPr id="4" name="바닥글 개체 틀 3">
             <a:extLst>
               <a:ext uri="{FF2B5EF4-FFF2-40B4-BE49-F238E27FC236}">
-                <a16:creationId xmlns:a16="http://schemas.microsoft.com/office/drawing/2014/main" id="{39A35442-19E2-4C53-A8DF-4C368F1FC4F9}"/>
+                <a16:creationId xmlns:a16="http://schemas.microsoft.com/office/drawing/2014/main" id="{C10537EB-D8D2-4D91-99CF-1A6BC2BC37F5}"/>
               </a:ext>
             </a:extLst>
           </p:cNvPr>
@@ -1987,7 +1988,7 @@
           <p:cNvPr id="5" name="슬라이드 번호 개체 틀 4">
             <a:extLst>
               <a:ext uri="{FF2B5EF4-FFF2-40B4-BE49-F238E27FC236}">
-                <a16:creationId xmlns:a16="http://schemas.microsoft.com/office/drawing/2014/main" id="{9F3E09C8-3A0F-4804-90B2-11A7A0F2500A}"/>
+                <a16:creationId xmlns:a16="http://schemas.microsoft.com/office/drawing/2014/main" id="{4CA357AD-13F5-4B42-BEF2-ED108319E078}"/>
               </a:ext>
             </a:extLst>
           </p:cNvPr>
@@ -2003,7 +2004,7 @@
           <a:bodyPr/>
           <a:lstStyle/>
           <a:p>
-            <a:fld id="{31FB7381-A2AA-4D14-853C-7EC57197987D}" type="slidenum">
+            <a:fld id="{39B08D2F-9136-4FBB-8B91-7C69354F3588}" type="slidenum">
               <a:rPr lang="ko-KR" altLang="en-US" smtClean="0"/>
               <a:t>‹#›</a:t>
             </a:fld>
@@ -2014,7 +2015,7 @@
     </p:spTree>
     <p:extLst>
       <p:ext uri="{BB962C8B-B14F-4D97-AF65-F5344CB8AC3E}">
-        <p14:creationId xmlns:p14="http://schemas.microsoft.com/office/powerpoint/2010/main" val="1631330693"/>
+        <p14:creationId xmlns:p14="http://schemas.microsoft.com/office/powerpoint/2010/main" val="231461878"/>
       </p:ext>
     </p:extLst>
   </p:cSld>
@@ -2046,7 +2047,7 @@
           <p:cNvPr id="2" name="날짜 개체 틀 1">
             <a:extLst>
               <a:ext uri="{FF2B5EF4-FFF2-40B4-BE49-F238E27FC236}">
-                <a16:creationId xmlns:a16="http://schemas.microsoft.com/office/drawing/2014/main" id="{765AC604-CD5E-4F6B-AFD3-1DA7DEAF80EC}"/>
+                <a16:creationId xmlns:a16="http://schemas.microsoft.com/office/drawing/2014/main" id="{9FBEC164-5642-41BC-B268-BDA155D24994}"/>
               </a:ext>
             </a:extLst>
           </p:cNvPr>
@@ -2062,9 +2063,9 @@
           <a:bodyPr/>
           <a:lstStyle/>
           <a:p>
-            <a:fld id="{68C8826B-303A-4B20-90A0-747DEDFD16AF}" type="datetimeFigureOut">
+            <a:fld id="{6F1ECA94-C280-4CCB-842F-03728347C5C6}" type="datetimeFigureOut">
               <a:rPr lang="ko-KR" altLang="en-US" smtClean="0"/>
-              <a:t>2018-08-17</a:t>
+              <a:t>2018-11-25</a:t>
             </a:fld>
             <a:endParaRPr lang="ko-KR" altLang="en-US"/>
           </a:p>
@@ -2075,7 +2076,7 @@
           <p:cNvPr id="3" name="바닥글 개체 틀 2">
             <a:extLst>
               <a:ext uri="{FF2B5EF4-FFF2-40B4-BE49-F238E27FC236}">
-                <a16:creationId xmlns:a16="http://schemas.microsoft.com/office/drawing/2014/main" id="{2779C0B4-B56D-4D8C-BEFB-CA26F956850E}"/>
+                <a16:creationId xmlns:a16="http://schemas.microsoft.com/office/drawing/2014/main" id="{4775DDF4-5610-4233-9443-9EB437EA4DC5}"/>
               </a:ext>
             </a:extLst>
           </p:cNvPr>
@@ -2100,7 +2101,7 @@
           <p:cNvPr id="4" name="슬라이드 번호 개체 틀 3">
             <a:extLst>
               <a:ext uri="{FF2B5EF4-FFF2-40B4-BE49-F238E27FC236}">
-                <a16:creationId xmlns:a16="http://schemas.microsoft.com/office/drawing/2014/main" id="{508E9D74-E9C9-4F73-BBA1-3D8FF2330627}"/>
+                <a16:creationId xmlns:a16="http://schemas.microsoft.com/office/drawing/2014/main" id="{A13A1241-8614-498C-8A33-F4063AE384D5}"/>
               </a:ext>
             </a:extLst>
           </p:cNvPr>
@@ -2116,7 +2117,7 @@
           <a:bodyPr/>
           <a:lstStyle/>
           <a:p>
-            <a:fld id="{31FB7381-A2AA-4D14-853C-7EC57197987D}" type="slidenum">
+            <a:fld id="{39B08D2F-9136-4FBB-8B91-7C69354F3588}" type="slidenum">
               <a:rPr lang="ko-KR" altLang="en-US" smtClean="0"/>
               <a:t>‹#›</a:t>
             </a:fld>
@@ -2127,7 +2128,7 @@
     </p:spTree>
     <p:extLst>
       <p:ext uri="{BB962C8B-B14F-4D97-AF65-F5344CB8AC3E}">
-        <p14:creationId xmlns:p14="http://schemas.microsoft.com/office/powerpoint/2010/main" val="3165870207"/>
+        <p14:creationId xmlns:p14="http://schemas.microsoft.com/office/powerpoint/2010/main" val="3673311664"/>
       </p:ext>
     </p:extLst>
   </p:cSld>
@@ -2159,7 +2160,7 @@
           <p:cNvPr id="2" name="제목 1">
             <a:extLst>
               <a:ext uri="{FF2B5EF4-FFF2-40B4-BE49-F238E27FC236}">
-                <a16:creationId xmlns:a16="http://schemas.microsoft.com/office/drawing/2014/main" id="{AEA30100-DBC9-4E8B-9245-912C7659227E}"/>
+                <a16:creationId xmlns:a16="http://schemas.microsoft.com/office/drawing/2014/main" id="{77DA1B14-EF4C-4C10-A0D3-BACD686BDBA6}"/>
               </a:ext>
             </a:extLst>
           </p:cNvPr>
@@ -2196,7 +2197,7 @@
           <p:cNvPr id="3" name="내용 개체 틀 2">
             <a:extLst>
               <a:ext uri="{FF2B5EF4-FFF2-40B4-BE49-F238E27FC236}">
-                <a16:creationId xmlns:a16="http://schemas.microsoft.com/office/drawing/2014/main" id="{150785C4-34B3-4258-8B80-3A654A988EFA}"/>
+                <a16:creationId xmlns:a16="http://schemas.microsoft.com/office/drawing/2014/main" id="{A6A38CA8-38BB-44B7-8D0A-A50600ED1668}"/>
               </a:ext>
             </a:extLst>
           </p:cNvPr>
@@ -2286,7 +2287,7 @@
           <p:cNvPr id="4" name="텍스트 개체 틀 3">
             <a:extLst>
               <a:ext uri="{FF2B5EF4-FFF2-40B4-BE49-F238E27FC236}">
-                <a16:creationId xmlns:a16="http://schemas.microsoft.com/office/drawing/2014/main" id="{934BDBFE-EC74-4691-AB1D-DB977E455CE6}"/>
+                <a16:creationId xmlns:a16="http://schemas.microsoft.com/office/drawing/2014/main" id="{6B07E681-002B-4A2F-AB98-3D5DE4B74D60}"/>
               </a:ext>
             </a:extLst>
           </p:cNvPr>
@@ -2357,7 +2358,7 @@
           <p:cNvPr id="5" name="날짜 개체 틀 4">
             <a:extLst>
               <a:ext uri="{FF2B5EF4-FFF2-40B4-BE49-F238E27FC236}">
-                <a16:creationId xmlns:a16="http://schemas.microsoft.com/office/drawing/2014/main" id="{52224C0E-984F-44FC-A953-193BA7186B2F}"/>
+                <a16:creationId xmlns:a16="http://schemas.microsoft.com/office/drawing/2014/main" id="{A5131179-BCDF-401A-9D54-B419D0271F92}"/>
               </a:ext>
             </a:extLst>
           </p:cNvPr>
@@ -2373,9 +2374,9 @@
           <a:bodyPr/>
           <a:lstStyle/>
           <a:p>
-            <a:fld id="{68C8826B-303A-4B20-90A0-747DEDFD16AF}" type="datetimeFigureOut">
+            <a:fld id="{6F1ECA94-C280-4CCB-842F-03728347C5C6}" type="datetimeFigureOut">
               <a:rPr lang="ko-KR" altLang="en-US" smtClean="0"/>
-              <a:t>2018-08-17</a:t>
+              <a:t>2018-11-25</a:t>
             </a:fld>
             <a:endParaRPr lang="ko-KR" altLang="en-US"/>
           </a:p>
@@ -2386,7 +2387,7 @@
           <p:cNvPr id="6" name="바닥글 개체 틀 5">
             <a:extLst>
               <a:ext uri="{FF2B5EF4-FFF2-40B4-BE49-F238E27FC236}">
-                <a16:creationId xmlns:a16="http://schemas.microsoft.com/office/drawing/2014/main" id="{67475262-A7F8-4666-B59C-9A9EA75A18F1}"/>
+                <a16:creationId xmlns:a16="http://schemas.microsoft.com/office/drawing/2014/main" id="{D7B5DD76-F937-47B3-99DF-9DE621EC8A7B}"/>
               </a:ext>
             </a:extLst>
           </p:cNvPr>
@@ -2411,7 +2412,7 @@
           <p:cNvPr id="7" name="슬라이드 번호 개체 틀 6">
             <a:extLst>
               <a:ext uri="{FF2B5EF4-FFF2-40B4-BE49-F238E27FC236}">
-                <a16:creationId xmlns:a16="http://schemas.microsoft.com/office/drawing/2014/main" id="{7139D7F7-31B0-4F2E-8E32-A15D34258C73}"/>
+                <a16:creationId xmlns:a16="http://schemas.microsoft.com/office/drawing/2014/main" id="{E3ACA22E-00F9-40E2-A470-665F68B13354}"/>
               </a:ext>
             </a:extLst>
           </p:cNvPr>
@@ -2427,7 +2428,7 @@
           <a:bodyPr/>
           <a:lstStyle/>
           <a:p>
-            <a:fld id="{31FB7381-A2AA-4D14-853C-7EC57197987D}" type="slidenum">
+            <a:fld id="{39B08D2F-9136-4FBB-8B91-7C69354F3588}" type="slidenum">
               <a:rPr lang="ko-KR" altLang="en-US" smtClean="0"/>
               <a:t>‹#›</a:t>
             </a:fld>
@@ -2438,7 +2439,7 @@
     </p:spTree>
     <p:extLst>
       <p:ext uri="{BB962C8B-B14F-4D97-AF65-F5344CB8AC3E}">
-        <p14:creationId xmlns:p14="http://schemas.microsoft.com/office/powerpoint/2010/main" val="2773978102"/>
+        <p14:creationId xmlns:p14="http://schemas.microsoft.com/office/powerpoint/2010/main" val="3224891055"/>
       </p:ext>
     </p:extLst>
   </p:cSld>
@@ -2470,7 +2471,7 @@
           <p:cNvPr id="2" name="제목 1">
             <a:extLst>
               <a:ext uri="{FF2B5EF4-FFF2-40B4-BE49-F238E27FC236}">
-                <a16:creationId xmlns:a16="http://schemas.microsoft.com/office/drawing/2014/main" id="{68120C3A-5A35-4F59-A299-6C3DEA962A2C}"/>
+                <a16:creationId xmlns:a16="http://schemas.microsoft.com/office/drawing/2014/main" id="{2BD39BDE-5827-4FBF-B014-9A9D3843D25D}"/>
               </a:ext>
             </a:extLst>
           </p:cNvPr>
@@ -2507,7 +2508,7 @@
           <p:cNvPr id="3" name="그림 개체 틀 2">
             <a:extLst>
               <a:ext uri="{FF2B5EF4-FFF2-40B4-BE49-F238E27FC236}">
-                <a16:creationId xmlns:a16="http://schemas.microsoft.com/office/drawing/2014/main" id="{BEA7D372-9CA6-4DF5-9709-E1014BDEB127}"/>
+                <a16:creationId xmlns:a16="http://schemas.microsoft.com/office/drawing/2014/main" id="{E64C124B-2D15-49EB-9B68-0AB2AD314ED5}"/>
               </a:ext>
             </a:extLst>
           </p:cNvPr>
@@ -2574,7 +2575,7 @@
           <p:cNvPr id="4" name="텍스트 개체 틀 3">
             <a:extLst>
               <a:ext uri="{FF2B5EF4-FFF2-40B4-BE49-F238E27FC236}">
-                <a16:creationId xmlns:a16="http://schemas.microsoft.com/office/drawing/2014/main" id="{ED353343-47C4-4E98-B7C8-F794CE1E73DC}"/>
+                <a16:creationId xmlns:a16="http://schemas.microsoft.com/office/drawing/2014/main" id="{40172E67-18C3-46D8-B6E9-C4EEF28BC18E}"/>
               </a:ext>
             </a:extLst>
           </p:cNvPr>
@@ -2645,7 +2646,7 @@
           <p:cNvPr id="5" name="날짜 개체 틀 4">
             <a:extLst>
               <a:ext uri="{FF2B5EF4-FFF2-40B4-BE49-F238E27FC236}">
-                <a16:creationId xmlns:a16="http://schemas.microsoft.com/office/drawing/2014/main" id="{CE665D3B-2AE8-499C-B294-A9CFF64EAEF7}"/>
+                <a16:creationId xmlns:a16="http://schemas.microsoft.com/office/drawing/2014/main" id="{24B7C06B-05F4-44A6-B8F3-924F3CDFD028}"/>
               </a:ext>
             </a:extLst>
           </p:cNvPr>
@@ -2661,9 +2662,9 @@
           <a:bodyPr/>
           <a:lstStyle/>
           <a:p>
-            <a:fld id="{68C8826B-303A-4B20-90A0-747DEDFD16AF}" type="datetimeFigureOut">
+            <a:fld id="{6F1ECA94-C280-4CCB-842F-03728347C5C6}" type="datetimeFigureOut">
               <a:rPr lang="ko-KR" altLang="en-US" smtClean="0"/>
-              <a:t>2018-08-17</a:t>
+              <a:t>2018-11-25</a:t>
             </a:fld>
             <a:endParaRPr lang="ko-KR" altLang="en-US"/>
           </a:p>
@@ -2674,7 +2675,7 @@
           <p:cNvPr id="6" name="바닥글 개체 틀 5">
             <a:extLst>
               <a:ext uri="{FF2B5EF4-FFF2-40B4-BE49-F238E27FC236}">
-                <a16:creationId xmlns:a16="http://schemas.microsoft.com/office/drawing/2014/main" id="{A72FBDAA-1080-4C13-9EDB-51FB0BA918FE}"/>
+                <a16:creationId xmlns:a16="http://schemas.microsoft.com/office/drawing/2014/main" id="{8EB987C0-B0DC-4945-812F-D5B762185694}"/>
               </a:ext>
             </a:extLst>
           </p:cNvPr>
@@ -2699,7 +2700,7 @@
           <p:cNvPr id="7" name="슬라이드 번호 개체 틀 6">
             <a:extLst>
               <a:ext uri="{FF2B5EF4-FFF2-40B4-BE49-F238E27FC236}">
-                <a16:creationId xmlns:a16="http://schemas.microsoft.com/office/drawing/2014/main" id="{B811DFA7-CB31-4C34-B6AE-88F1C44AA6CF}"/>
+                <a16:creationId xmlns:a16="http://schemas.microsoft.com/office/drawing/2014/main" id="{A8F9114F-1358-4332-BF7E-00320C1603B8}"/>
               </a:ext>
             </a:extLst>
           </p:cNvPr>
@@ -2715,7 +2716,7 @@
           <a:bodyPr/>
           <a:lstStyle/>
           <a:p>
-            <a:fld id="{31FB7381-A2AA-4D14-853C-7EC57197987D}" type="slidenum">
+            <a:fld id="{39B08D2F-9136-4FBB-8B91-7C69354F3588}" type="slidenum">
               <a:rPr lang="ko-KR" altLang="en-US" smtClean="0"/>
               <a:t>‹#›</a:t>
             </a:fld>
@@ -2726,7 +2727,7 @@
     </p:spTree>
     <p:extLst>
       <p:ext uri="{BB962C8B-B14F-4D97-AF65-F5344CB8AC3E}">
-        <p14:creationId xmlns:p14="http://schemas.microsoft.com/office/powerpoint/2010/main" val="633114741"/>
+        <p14:creationId xmlns:p14="http://schemas.microsoft.com/office/powerpoint/2010/main" val="2496348301"/>
       </p:ext>
     </p:extLst>
   </p:cSld>
@@ -2763,7 +2764,7 @@
           <p:cNvPr id="2" name="제목 개체 틀 1">
             <a:extLst>
               <a:ext uri="{FF2B5EF4-FFF2-40B4-BE49-F238E27FC236}">
-                <a16:creationId xmlns:a16="http://schemas.microsoft.com/office/drawing/2014/main" id="{287D40B3-C295-433E-ACD1-4E2B6CDAD082}"/>
+                <a16:creationId xmlns:a16="http://schemas.microsoft.com/office/drawing/2014/main" id="{0A6763D5-1E15-4BA6-A1ED-2BD3A3275843}"/>
               </a:ext>
             </a:extLst>
           </p:cNvPr>
@@ -2801,7 +2802,7 @@
           <p:cNvPr id="3" name="텍스트 개체 틀 2">
             <a:extLst>
               <a:ext uri="{FF2B5EF4-FFF2-40B4-BE49-F238E27FC236}">
-                <a16:creationId xmlns:a16="http://schemas.microsoft.com/office/drawing/2014/main" id="{9D3C54EE-7053-4B81-8E12-8758E9045EDA}"/>
+                <a16:creationId xmlns:a16="http://schemas.microsoft.com/office/drawing/2014/main" id="{68DB6F54-7C0A-4173-A981-6831B7E8A249}"/>
               </a:ext>
             </a:extLst>
           </p:cNvPr>
@@ -2868,7 +2869,7 @@
           <p:cNvPr id="4" name="날짜 개체 틀 3">
             <a:extLst>
               <a:ext uri="{FF2B5EF4-FFF2-40B4-BE49-F238E27FC236}">
-                <a16:creationId xmlns:a16="http://schemas.microsoft.com/office/drawing/2014/main" id="{8FA6905D-34C8-475A-96E1-49100B860984}"/>
+                <a16:creationId xmlns:a16="http://schemas.microsoft.com/office/drawing/2014/main" id="{DCDB0479-20A6-4131-8361-DE19CAFCD837}"/>
               </a:ext>
             </a:extLst>
           </p:cNvPr>
@@ -2902,9 +2903,9 @@
             </a:lvl1pPr>
           </a:lstStyle>
           <a:p>
-            <a:fld id="{68C8826B-303A-4B20-90A0-747DEDFD16AF}" type="datetimeFigureOut">
+            <a:fld id="{6F1ECA94-C280-4CCB-842F-03728347C5C6}" type="datetimeFigureOut">
               <a:rPr lang="ko-KR" altLang="en-US" smtClean="0"/>
-              <a:t>2018-08-17</a:t>
+              <a:t>2018-11-25</a:t>
             </a:fld>
             <a:endParaRPr lang="ko-KR" altLang="en-US"/>
           </a:p>
@@ -2915,7 +2916,7 @@
           <p:cNvPr id="5" name="바닥글 개체 틀 4">
             <a:extLst>
               <a:ext uri="{FF2B5EF4-FFF2-40B4-BE49-F238E27FC236}">
-                <a16:creationId xmlns:a16="http://schemas.microsoft.com/office/drawing/2014/main" id="{1699B7D7-735D-499A-8E99-CEDBFAE26E52}"/>
+                <a16:creationId xmlns:a16="http://schemas.microsoft.com/office/drawing/2014/main" id="{64665ECC-5E4D-4DE8-976F-027DD2C92129}"/>
               </a:ext>
             </a:extLst>
           </p:cNvPr>
@@ -2958,7 +2959,7 @@
           <p:cNvPr id="6" name="슬라이드 번호 개체 틀 5">
             <a:extLst>
               <a:ext uri="{FF2B5EF4-FFF2-40B4-BE49-F238E27FC236}">
-                <a16:creationId xmlns:a16="http://schemas.microsoft.com/office/drawing/2014/main" id="{B01CA8E5-A97A-4DE6-993D-948F4E7A857D}"/>
+                <a16:creationId xmlns:a16="http://schemas.microsoft.com/office/drawing/2014/main" id="{2729ACF7-D2BB-43DE-92B1-258FD36D7B5B}"/>
               </a:ext>
             </a:extLst>
           </p:cNvPr>
@@ -2992,7 +2993,7 @@
             </a:lvl1pPr>
           </a:lstStyle>
           <a:p>
-            <a:fld id="{31FB7381-A2AA-4D14-853C-7EC57197987D}" type="slidenum">
+            <a:fld id="{39B08D2F-9136-4FBB-8B91-7C69354F3588}" type="slidenum">
               <a:rPr lang="ko-KR" altLang="en-US" smtClean="0"/>
               <a:t>‹#›</a:t>
             </a:fld>
@@ -3003,7 +3004,7 @@
     </p:spTree>
     <p:extLst>
       <p:ext uri="{BB962C8B-B14F-4D97-AF65-F5344CB8AC3E}">
-        <p14:creationId xmlns:p14="http://schemas.microsoft.com/office/powerpoint/2010/main" val="1838812261"/>
+        <p14:creationId xmlns:p14="http://schemas.microsoft.com/office/powerpoint/2010/main" val="2277209611"/>
       </p:ext>
     </p:extLst>
   </p:cSld>
@@ -3326,7 +3327,7 @@
           <p:cNvPr id="4" name="타원 3">
             <a:extLst>
               <a:ext uri="{FF2B5EF4-FFF2-40B4-BE49-F238E27FC236}">
-                <a16:creationId xmlns:a16="http://schemas.microsoft.com/office/drawing/2014/main" id="{198399DA-DE6C-443A-AB33-CDB826D767D1}"/>
+                <a16:creationId xmlns:a16="http://schemas.microsoft.com/office/drawing/2014/main" id="{BE53EE93-DBD3-4F5E-89FA-3CBC742792F0}"/>
               </a:ext>
             </a:extLst>
           </p:cNvPr>
@@ -3335,14 +3336,14 @@
         </p:nvSpPr>
         <p:spPr>
           <a:xfrm>
-            <a:off x="4563122" y="2006353"/>
-            <a:ext cx="4065973" cy="3728622"/>
+            <a:off x="3374995" y="781235"/>
+            <a:ext cx="4557425" cy="5095782"/>
           </a:xfrm>
           <a:prstGeom prst="ellipse">
             <a:avLst/>
           </a:prstGeom>
           <a:solidFill>
-            <a:srgbClr val="5078B7"/>
+            <a:srgbClr val="668CD0"/>
           </a:solidFill>
           <a:ln>
             <a:noFill/>
@@ -3375,10 +3376,10 @@
       </p:sp>
       <p:sp>
         <p:nvSpPr>
-          <p:cNvPr id="9" name="TextBox 8">
-            <a:extLst>
-              <a:ext uri="{FF2B5EF4-FFF2-40B4-BE49-F238E27FC236}">
-                <a16:creationId xmlns:a16="http://schemas.microsoft.com/office/drawing/2014/main" id="{43FC2DBE-AC13-4135-B8ED-40EFF35534E4}"/>
+          <p:cNvPr id="5" name="TextBox 4">
+            <a:extLst>
+              <a:ext uri="{FF2B5EF4-FFF2-40B4-BE49-F238E27FC236}">
+                <a16:creationId xmlns:a16="http://schemas.microsoft.com/office/drawing/2014/main" id="{FBD8E24F-FAFB-491D-8071-4C5F32CD3182}"/>
               </a:ext>
             </a:extLst>
           </p:cNvPr>
@@ -3387,8 +3388,8 @@
         </p:nvSpPr>
         <p:spPr>
           <a:xfrm>
-            <a:off x="5375261" y="799018"/>
-            <a:ext cx="2441694" cy="5386090"/>
+            <a:off x="4327754" y="559881"/>
+            <a:ext cx="3391306" cy="5386090"/>
           </a:xfrm>
           <a:prstGeom prst="rect">
             <a:avLst/>
@@ -3396,7 +3397,7 @@
           <a:noFill/>
         </p:spPr>
         <p:txBody>
-          <a:bodyPr wrap="none" rtlCol="0">
+          <a:bodyPr wrap="square" rtlCol="0">
             <a:spAutoFit/>
           </a:bodyPr>
           <a:lstStyle/>
@@ -3409,7 +3410,7 @@
                 <a:latin typeface="휴먼옛체" panose="02030504000101010101" pitchFamily="18" charset="-127"/>
                 <a:ea typeface="휴먼옛체" panose="02030504000101010101" pitchFamily="18" charset="-127"/>
               </a:rPr>
-              <a:t>z</a:t>
+              <a:t>E</a:t>
             </a:r>
             <a:endParaRPr lang="ko-KR" altLang="en-US" sz="34400" dirty="0">
               <a:solidFill>
@@ -3424,7 +3425,73 @@
     </p:spTree>
     <p:extLst>
       <p:ext uri="{BB962C8B-B14F-4D97-AF65-F5344CB8AC3E}">
-        <p14:creationId xmlns:p14="http://schemas.microsoft.com/office/powerpoint/2010/main" val="2544577112"/>
+        <p14:creationId xmlns:p14="http://schemas.microsoft.com/office/powerpoint/2010/main" val="4277978834"/>
+      </p:ext>
+    </p:extLst>
+  </p:cSld>
+  <p:clrMapOvr>
+    <a:masterClrMapping/>
+  </p:clrMapOvr>
+</p:sld>
+</file>
+
+<file path=ppt/slides/slide2.xml><?xml version="1.0" encoding="utf-8"?>
+<p:sld xmlns:a="http://schemas.openxmlformats.org/drawingml/2006/main" xmlns:r="http://schemas.openxmlformats.org/officeDocument/2006/relationships" xmlns:p="http://schemas.openxmlformats.org/presentationml/2006/main">
+  <p:cSld>
+    <p:spTree>
+      <p:nvGrpSpPr>
+        <p:cNvPr id="1" name=""/>
+        <p:cNvGrpSpPr/>
+        <p:nvPr/>
+      </p:nvGrpSpPr>
+      <p:grpSpPr>
+        <a:xfrm>
+          <a:off x="0" y="0"/>
+          <a:ext cx="0" cy="0"/>
+          <a:chOff x="0" y="0"/>
+          <a:chExt cx="0" cy="0"/>
+        </a:xfrm>
+      </p:grpSpPr>
+      <p:pic>
+        <p:nvPicPr>
+          <p:cNvPr id="3" name="그림 2">
+            <a:extLst>
+              <a:ext uri="{FF2B5EF4-FFF2-40B4-BE49-F238E27FC236}">
+                <a16:creationId xmlns:a16="http://schemas.microsoft.com/office/drawing/2014/main" id="{E6B02D6B-C8D3-4046-94B0-F9BAED8193BE}"/>
+              </a:ext>
+            </a:extLst>
+          </p:cNvPr>
+          <p:cNvPicPr>
+            <a:picLocks noChangeAspect="1"/>
+          </p:cNvPicPr>
+          <p:nvPr/>
+        </p:nvPicPr>
+        <p:blipFill>
+          <a:blip r:embed="rId2">
+            <a:extLst>
+              <a:ext uri="{28A0092B-C50C-407E-A947-70E740481C1C}">
+                <a14:useLocalDpi xmlns:a14="http://schemas.microsoft.com/office/drawing/2010/main" val="0"/>
+              </a:ext>
+            </a:extLst>
+          </a:blip>
+          <a:stretch>
+            <a:fillRect/>
+          </a:stretch>
+        </p:blipFill>
+        <p:spPr>
+          <a:xfrm>
+            <a:off x="3729784" y="803682"/>
+            <a:ext cx="5475175" cy="5250635"/>
+          </a:xfrm>
+          <a:prstGeom prst="rect">
+            <a:avLst/>
+          </a:prstGeom>
+        </p:spPr>
+      </p:pic>
+    </p:spTree>
+    <p:extLst>
+      <p:ext uri="{BB962C8B-B14F-4D97-AF65-F5344CB8AC3E}">
+        <p14:creationId xmlns:p14="http://schemas.microsoft.com/office/powerpoint/2010/main" val="384586149"/>
       </p:ext>
     </p:extLst>
   </p:cSld>
